--- a/artifacts/Presentations/Spring_2017_Presentations/Tech_Presentations/Jasmine_Tech_Presentation.pptx
+++ b/artifacts/Presentations/Spring_2017_Presentations/Tech_Presentations/Jasmine_Tech_Presentation.pptx
@@ -20,21 +20,22 @@
     <p:sldId id="265" r:id="rId14"/>
     <p:sldId id="266" r:id="rId15"/>
     <p:sldId id="267" r:id="rId16"/>
+    <p:sldId id="268" r:id="rId17"/>
   </p:sldIdLst>
   <p:sldSz cy="5143500" cx="9144000"/>
   <p:notesSz cx="6858000" cy="9144000"/>
   <p:embeddedFontLst>
     <p:embeddedFont>
       <p:font typeface="PT Sans Narrow"/>
-      <p:regular r:id="rId17"/>
-      <p:bold r:id="rId18"/>
+      <p:regular r:id="rId18"/>
+      <p:bold r:id="rId19"/>
     </p:embeddedFont>
     <p:embeddedFont>
       <p:font typeface="Open Sans"/>
-      <p:regular r:id="rId19"/>
-      <p:bold r:id="rId20"/>
-      <p:italic r:id="rId21"/>
-      <p:boldItalic r:id="rId22"/>
+      <p:regular r:id="rId20"/>
+      <p:bold r:id="rId21"/>
+      <p:italic r:id="rId22"/>
+      <p:boldItalic r:id="rId23"/>
     </p:embeddedFont>
   </p:embeddedFontLst>
   <p:defaultTextStyle>
@@ -730,6 +731,101 @@
       <p:sp>
         <p:nvSpPr>
           <p:cNvPr id="137" name="Shape 137"/>
+          <p:cNvSpPr txBox="1"/>
+          <p:nvPr>
+            <p:ph idx="1" type="body"/>
+          </p:nvPr>
+        </p:nvSpPr>
+        <p:spPr>
+          <a:xfrm>
+            <a:off x="685800" y="4343400"/>
+            <a:ext cx="5486400" cy="4114800"/>
+          </a:xfrm>
+          <a:prstGeom prst="rect">
+            <a:avLst/>
+          </a:prstGeom>
+        </p:spPr>
+        <p:txBody>
+          <a:bodyPr anchorCtr="0" anchor="t" bIns="91425" lIns="91425" rIns="91425" tIns="91425">
+            <a:noAutofit/>
+          </a:bodyPr>
+          <a:lstStyle/>
+          <a:p>
+            <a:pPr lvl="0">
+              <a:spcBef>
+                <a:spcPts val="0"/>
+              </a:spcBef>
+              <a:buNone/>
+            </a:pPr>
+            <a:r>
+              <a:t/>
+            </a:r>
+            <a:endParaRPr/>
+          </a:p>
+        </p:txBody>
+      </p:sp>
+    </p:spTree>
+  </p:cSld>
+  <p:clrMapOvr>
+    <a:masterClrMapping/>
+  </p:clrMapOvr>
+</p:notes>
+</file>
+
+<file path=ppt/notesSlides/notesSlide13.xml><?xml version="1.0" encoding="utf-8"?>
+<p:notes xmlns:a="http://schemas.openxmlformats.org/drawingml/2006/main" xmlns:r="http://schemas.openxmlformats.org/officeDocument/2006/relationships" xmlns:mc="http://schemas.openxmlformats.org/markup-compatibility/2006" xmlns:mv="urn:schemas-microsoft-com:mac:vml" xmlns:p="http://schemas.openxmlformats.org/presentationml/2006/main" xmlns:c="http://schemas.openxmlformats.org/drawingml/2006/chart" xmlns:dgm="http://schemas.openxmlformats.org/drawingml/2006/diagram" xmlns:o="urn:schemas-microsoft-com:office:office" xmlns:v="urn:schemas-microsoft-com:vml" xmlns:pvml="urn:schemas-microsoft-com:office:powerpoint" xmlns:com="http://schemas.openxmlformats.org/drawingml/2006/compatibility" xmlns:p14="http://schemas.microsoft.com/office/powerpoint/2010/main" showMasterPhAnim="0" showMasterSp="0">
+  <p:cSld>
+    <p:spTree>
+      <p:nvGrpSpPr>
+        <p:cNvPr id="141" name="Shape 141"/>
+        <p:cNvGrpSpPr/>
+        <p:nvPr/>
+      </p:nvGrpSpPr>
+      <p:grpSpPr>
+        <a:xfrm>
+          <a:off x="0" y="0"/>
+          <a:ext cx="0" cy="0"/>
+          <a:chOff x="0" y="0"/>
+          <a:chExt cx="0" cy="0"/>
+        </a:xfrm>
+      </p:grpSpPr>
+      <p:sp>
+        <p:nvSpPr>
+          <p:cNvPr id="142" name="Shape 142"/>
+          <p:cNvSpPr/>
+          <p:nvPr>
+            <p:ph idx="2" type="sldImg"/>
+          </p:nvPr>
+        </p:nvSpPr>
+        <p:spPr>
+          <a:xfrm>
+            <a:off x="381300" y="685800"/>
+            <a:ext cx="6096000" cy="3429000"/>
+          </a:xfrm>
+          <a:custGeom>
+            <a:pathLst>
+              <a:path extrusionOk="0" h="120000" w="120000">
+                <a:moveTo>
+                  <a:pt x="0" y="0"/>
+                </a:moveTo>
+                <a:lnTo>
+                  <a:pt x="120000" y="0"/>
+                </a:lnTo>
+                <a:lnTo>
+                  <a:pt x="120000" y="120000"/>
+                </a:lnTo>
+                <a:lnTo>
+                  <a:pt x="0" y="120000"/>
+                </a:lnTo>
+                <a:close/>
+              </a:path>
+            </a:pathLst>
+          </a:custGeom>
+        </p:spPr>
+      </p:sp>
+      <p:sp>
+        <p:nvSpPr>
+          <p:cNvPr id="143" name="Shape 143"/>
           <p:cNvSpPr txBox="1"/>
           <p:nvPr>
             <p:ph idx="1" type="body"/>
@@ -5734,6 +5830,205 @@
             </a:pPr>
             <a:r>
               <a:rPr lang="en"/>
+              <a:t>Jasmine alternatives</a:t>
+            </a:r>
+          </a:p>
+        </p:txBody>
+      </p:sp>
+      <p:sp>
+        <p:nvSpPr>
+          <p:cNvPr id="140" name="Shape 140"/>
+          <p:cNvSpPr txBox="1"/>
+          <p:nvPr>
+            <p:ph idx="1" type="body"/>
+          </p:nvPr>
+        </p:nvSpPr>
+        <p:spPr>
+          <a:xfrm>
+            <a:off x="311700" y="1266325"/>
+            <a:ext cx="8520600" cy="3302700"/>
+          </a:xfrm>
+          <a:prstGeom prst="rect">
+            <a:avLst/>
+          </a:prstGeom>
+        </p:spPr>
+        <p:txBody>
+          <a:bodyPr anchorCtr="0" anchor="t" bIns="91425" lIns="91425" rIns="91425" tIns="91425">
+            <a:noAutofit/>
+          </a:bodyPr>
+          <a:lstStyle/>
+          <a:p>
+            <a:pPr indent="-355600" lvl="0" marL="457200" rtl="0">
+              <a:spcBef>
+                <a:spcPts val="0"/>
+              </a:spcBef>
+              <a:buSzPct val="100000"/>
+              <a:buChar char="●"/>
+            </a:pPr>
+            <a:r>
+              <a:rPr lang="en" sz="2000" u="sng">
+                <a:solidFill>
+                  <a:schemeClr val="hlink"/>
+                </a:solidFill>
+                <a:hlinkClick r:id="rId3"/>
+              </a:rPr>
+              <a:t>Mocha</a:t>
+            </a:r>
+          </a:p>
+          <a:p>
+            <a:pPr indent="-330200" lvl="1" marL="914400" rtl="0">
+              <a:spcBef>
+                <a:spcPts val="0"/>
+              </a:spcBef>
+              <a:buSzPct val="100000"/>
+              <a:buChar char="○"/>
+            </a:pPr>
+            <a:r>
+              <a:rPr lang="en" sz="1600"/>
+              <a:t>Runs on Node.js in a web browser</a:t>
+            </a:r>
+          </a:p>
+          <a:p>
+            <a:pPr indent="-330200" lvl="1" marL="914400" rtl="0">
+              <a:spcBef>
+                <a:spcPts val="0"/>
+              </a:spcBef>
+              <a:buSzPct val="100000"/>
+              <a:buChar char="○"/>
+            </a:pPr>
+            <a:r>
+              <a:rPr lang="en" sz="1600"/>
+              <a:t>Powerful, but requires installation through Node.js</a:t>
+            </a:r>
+          </a:p>
+          <a:p>
+            <a:pPr indent="-355600" lvl="0" marL="457200" rtl="0">
+              <a:spcBef>
+                <a:spcPts val="0"/>
+              </a:spcBef>
+              <a:buSzPct val="100000"/>
+              <a:buChar char="●"/>
+            </a:pPr>
+            <a:r>
+              <a:rPr lang="en" sz="2000" u="sng">
+                <a:solidFill>
+                  <a:schemeClr val="hlink"/>
+                </a:solidFill>
+                <a:hlinkClick r:id="rId4"/>
+              </a:rPr>
+              <a:t>QUnit</a:t>
+            </a:r>
+          </a:p>
+          <a:p>
+            <a:pPr indent="-330200" lvl="1" marL="914400" rtl="0">
+              <a:spcBef>
+                <a:spcPts val="0"/>
+              </a:spcBef>
+              <a:buSzPct val="100000"/>
+              <a:buChar char="○"/>
+            </a:pPr>
+            <a:r>
+              <a:rPr lang="en" sz="1600"/>
+              <a:t>Can be used without downloading by linking the framework in a HTML file</a:t>
+            </a:r>
+          </a:p>
+          <a:p>
+            <a:pPr indent="-330200" lvl="1" marL="914400" rtl="0">
+              <a:spcBef>
+                <a:spcPts val="0"/>
+              </a:spcBef>
+              <a:buSzPct val="100000"/>
+              <a:buChar char="○"/>
+            </a:pPr>
+            <a:r>
+              <a:rPr lang="en" sz="1600"/>
+              <a:t>Can also be downloaded as a standalone, but requires a bit more setup</a:t>
+            </a:r>
+          </a:p>
+          <a:p>
+            <a:pPr indent="-330200" lvl="1" marL="914400" rtl="0">
+              <a:spcBef>
+                <a:spcPts val="0"/>
+              </a:spcBef>
+              <a:buSzPct val="100000"/>
+              <a:buChar char="○"/>
+            </a:pPr>
+            <a:r>
+              <a:rPr lang="en" sz="1600"/>
+              <a:t>Linking to framework makes offline testing difficult</a:t>
+            </a:r>
+          </a:p>
+          <a:p>
+            <a:pPr indent="-330200" lvl="1" marL="914400" rtl="0">
+              <a:spcBef>
+                <a:spcPts val="0"/>
+              </a:spcBef>
+              <a:buSzPct val="100000"/>
+              <a:buChar char="○"/>
+            </a:pPr>
+            <a:r>
+              <a:rPr lang="en" sz="1600"/>
+              <a:t>Overall, fairly similar to Jasmine</a:t>
+            </a:r>
+          </a:p>
+        </p:txBody>
+      </p:sp>
+    </p:spTree>
+  </p:cSld>
+  <p:clrMapOvr>
+    <a:masterClrMapping/>
+  </p:clrMapOvr>
+</p:sld>
+</file>
+
+<file path=ppt/slides/slide13.xml><?xml version="1.0" encoding="utf-8"?>
+<p:sld xmlns:a="http://schemas.openxmlformats.org/drawingml/2006/main" xmlns:r="http://schemas.openxmlformats.org/officeDocument/2006/relationships" xmlns:mc="http://schemas.openxmlformats.org/markup-compatibility/2006" xmlns:mv="urn:schemas-microsoft-com:mac:vml" xmlns:p="http://schemas.openxmlformats.org/presentationml/2006/main" xmlns:c="http://schemas.openxmlformats.org/drawingml/2006/chart" xmlns:dgm="http://schemas.openxmlformats.org/drawingml/2006/diagram" xmlns:o="urn:schemas-microsoft-com:office:office" xmlns:v="urn:schemas-microsoft-com:vml" xmlns:pvml="urn:schemas-microsoft-com:office:powerpoint" xmlns:com="http://schemas.openxmlformats.org/drawingml/2006/compatibility" xmlns:p14="http://schemas.microsoft.com/office/powerpoint/2010/main">
+  <p:cSld>
+    <p:spTree>
+      <p:nvGrpSpPr>
+        <p:cNvPr id="144" name="Shape 144"/>
+        <p:cNvGrpSpPr/>
+        <p:nvPr/>
+      </p:nvGrpSpPr>
+      <p:grpSpPr>
+        <a:xfrm>
+          <a:off x="0" y="0"/>
+          <a:ext cx="0" cy="0"/>
+          <a:chOff x="0" y="0"/>
+          <a:chExt cx="0" cy="0"/>
+        </a:xfrm>
+      </p:grpSpPr>
+      <p:sp>
+        <p:nvSpPr>
+          <p:cNvPr id="145" name="Shape 145"/>
+          <p:cNvSpPr txBox="1"/>
+          <p:nvPr>
+            <p:ph type="title"/>
+          </p:nvPr>
+        </p:nvSpPr>
+        <p:spPr>
+          <a:xfrm>
+            <a:off x="311700" y="445025"/>
+            <a:ext cx="8520600" cy="707400"/>
+          </a:xfrm>
+          <a:prstGeom prst="rect">
+            <a:avLst/>
+          </a:prstGeom>
+        </p:spPr>
+        <p:txBody>
+          <a:bodyPr anchorCtr="0" anchor="t" bIns="91425" lIns="91425" rIns="91425" tIns="91425">
+            <a:noAutofit/>
+          </a:bodyPr>
+          <a:lstStyle/>
+          <a:p>
+            <a:pPr lvl="0">
+              <a:spcBef>
+                <a:spcPts val="0"/>
+              </a:spcBef>
+              <a:buNone/>
+            </a:pPr>
+            <a:r>
+              <a:rPr lang="en"/>
               <a:t>How can I use Jasmine for my project?</a:t>
             </a:r>
           </a:p>
@@ -5741,7 +6036,7 @@
       </p:sp>
       <p:sp>
         <p:nvSpPr>
-          <p:cNvPr id="140" name="Shape 140"/>
+          <p:cNvPr id="146" name="Shape 146"/>
           <p:cNvSpPr txBox="1"/>
           <p:nvPr>
             <p:ph idx="1" type="body"/>
